--- a/figures/Ex Fig 10.pptx
+++ b/figures/Ex Fig 10.pptx
@@ -3570,7 +3570,7 @@
         </p:nvSpPr>
         <p:spPr>
           <a:xfrm>
-            <a:off x="2460567" y="3483154"/>
+            <a:off x="2460567" y="3553492"/>
             <a:ext cx="3413759" cy="246221"/>
           </a:xfrm>
           <a:prstGeom prst="rect">
@@ -3616,7 +3616,7 @@
         </p:nvSpPr>
         <p:spPr>
           <a:xfrm>
-            <a:off x="6201295" y="3489211"/>
+            <a:off x="6201295" y="3559549"/>
             <a:ext cx="2078182" cy="246221"/>
           </a:xfrm>
           <a:prstGeom prst="rect">
@@ -3662,7 +3662,7 @@
         </p:nvSpPr>
         <p:spPr>
           <a:xfrm>
-            <a:off x="8670175" y="3489211"/>
+            <a:off x="8670175" y="3559549"/>
             <a:ext cx="2078182" cy="246221"/>
           </a:xfrm>
           <a:prstGeom prst="rect">
@@ -4110,7 +4110,7 @@
         <p:spPr>
           <a:xfrm>
             <a:off x="6201295" y="3148297"/>
-            <a:ext cx="4547062" cy="215444"/>
+            <a:ext cx="4547062" cy="338554"/>
           </a:xfrm>
           <a:prstGeom prst="rect">
             <a:avLst/>
@@ -4132,7 +4132,17 @@
                 <a:latin typeface="Arial" panose="020B0604020202020204" pitchFamily="34" charset="0"/>
                 <a:cs typeface="Arial" panose="020B0604020202020204" pitchFamily="34" charset="0"/>
               </a:rPr>
-              <a:t>Is the area for 30 two times 15?</a:t>
+              <a:t>Is the area for 30 two times area for 15?</a:t>
+            </a:r>
+          </a:p>
+          <a:p>
+            <a:pPr algn="ctr"/>
+            <a:r>
+              <a:rPr lang="en-US" sz="800" dirty="0">
+                <a:latin typeface="Arial" panose="020B0604020202020204" pitchFamily="34" charset="0"/>
+                <a:cs typeface="Arial" panose="020B0604020202020204" pitchFamily="34" charset="0"/>
+              </a:rPr>
+              <a:t>Is it easy to compare values in pairs?</a:t>
             </a:r>
           </a:p>
         </p:txBody>
@@ -4174,7 +4184,7 @@
                 <a:latin typeface="Arial" panose="020B0604020202020204" pitchFamily="34" charset="0"/>
                 <a:cs typeface="Arial" panose="020B0604020202020204" pitchFamily="34" charset="0"/>
               </a:rPr>
-              <a:t>Is the area for 40 two times 20?</a:t>
+              <a:t>Is the area for 40 two times area for 20?</a:t>
             </a:r>
           </a:p>
           <a:p>
